--- a/Poster.pptx
+++ b/Poster.pptx
@@ -192,7 +192,8 @@
           <a:p>
             <a:fld id="{4631BAC7-F519-4CA9-B23F-C030E5110623}" type="datetimeFigureOut">
               <a:rPr lang="en-US" smtClean="0"/>
-              <a:t>6/29/2022</a:t>
+              <a:pPr/>
+              <a:t>6/30/2022</a:t>
             </a:fld>
             <a:endParaRPr lang="en-US"/>
           </a:p>
@@ -353,6 +354,7 @@
           <a:p>
             <a:fld id="{F2C67C31-3434-49ED-8550-410A2D66CCD3}" type="slidenum">
               <a:rPr lang="en-US" smtClean="0"/>
+              <a:pPr/>
               <a:t>‹#›</a:t>
             </a:fld>
             <a:endParaRPr lang="en-US"/>
@@ -524,6 +526,7 @@
           <a:p>
             <a:fld id="{F2C67C31-3434-49ED-8550-410A2D66CCD3}" type="slidenum">
               <a:rPr lang="en-US" smtClean="0"/>
+              <a:pPr/>
               <a:t>1</a:t>
             </a:fld>
             <a:endParaRPr lang="en-US"/>
@@ -720,7 +723,7 @@
             <a:fld id="{1D8BD707-D9CF-40AE-B4C6-C98DA3205C09}" type="datetimeFigureOut">
               <a:rPr lang="en-US" smtClean="0"/>
               <a:pPr/>
-              <a:t>6/29/2022</a:t>
+              <a:t>6/30/2022</a:t>
             </a:fld>
             <a:endParaRPr lang="en-US"/>
           </a:p>
@@ -887,7 +890,7 @@
             <a:fld id="{1D8BD707-D9CF-40AE-B4C6-C98DA3205C09}" type="datetimeFigureOut">
               <a:rPr lang="en-US" smtClean="0"/>
               <a:pPr/>
-              <a:t>6/29/2022</a:t>
+              <a:t>6/30/2022</a:t>
             </a:fld>
             <a:endParaRPr lang="en-US"/>
           </a:p>
@@ -1064,7 +1067,7 @@
             <a:fld id="{1D8BD707-D9CF-40AE-B4C6-C98DA3205C09}" type="datetimeFigureOut">
               <a:rPr lang="en-US" smtClean="0"/>
               <a:pPr/>
-              <a:t>6/29/2022</a:t>
+              <a:t>6/30/2022</a:t>
             </a:fld>
             <a:endParaRPr lang="en-US"/>
           </a:p>
@@ -1231,7 +1234,7 @@
             <a:fld id="{1D8BD707-D9CF-40AE-B4C6-C98DA3205C09}" type="datetimeFigureOut">
               <a:rPr lang="en-US" smtClean="0"/>
               <a:pPr/>
-              <a:t>6/29/2022</a:t>
+              <a:t>6/30/2022</a:t>
             </a:fld>
             <a:endParaRPr lang="en-US"/>
           </a:p>
@@ -1474,7 +1477,7 @@
             <a:fld id="{1D8BD707-D9CF-40AE-B4C6-C98DA3205C09}" type="datetimeFigureOut">
               <a:rPr lang="en-US" smtClean="0"/>
               <a:pPr/>
-              <a:t>6/29/2022</a:t>
+              <a:t>6/30/2022</a:t>
             </a:fld>
             <a:endParaRPr lang="en-US"/>
           </a:p>
@@ -1759,7 +1762,7 @@
             <a:fld id="{1D8BD707-D9CF-40AE-B4C6-C98DA3205C09}" type="datetimeFigureOut">
               <a:rPr lang="en-US" smtClean="0"/>
               <a:pPr/>
-              <a:t>6/29/2022</a:t>
+              <a:t>6/30/2022</a:t>
             </a:fld>
             <a:endParaRPr lang="en-US"/>
           </a:p>
@@ -2178,7 +2181,7 @@
             <a:fld id="{1D8BD707-D9CF-40AE-B4C6-C98DA3205C09}" type="datetimeFigureOut">
               <a:rPr lang="en-US" smtClean="0"/>
               <a:pPr/>
-              <a:t>6/29/2022</a:t>
+              <a:t>6/30/2022</a:t>
             </a:fld>
             <a:endParaRPr lang="en-US"/>
           </a:p>
@@ -2293,7 +2296,7 @@
             <a:fld id="{1D8BD707-D9CF-40AE-B4C6-C98DA3205C09}" type="datetimeFigureOut">
               <a:rPr lang="en-US" smtClean="0"/>
               <a:pPr/>
-              <a:t>6/29/2022</a:t>
+              <a:t>6/30/2022</a:t>
             </a:fld>
             <a:endParaRPr lang="en-US"/>
           </a:p>
@@ -2385,7 +2388,7 @@
             <a:fld id="{1D8BD707-D9CF-40AE-B4C6-C98DA3205C09}" type="datetimeFigureOut">
               <a:rPr lang="en-US" smtClean="0"/>
               <a:pPr/>
-              <a:t>6/29/2022</a:t>
+              <a:t>6/30/2022</a:t>
             </a:fld>
             <a:endParaRPr lang="en-US"/>
           </a:p>
@@ -2659,7 +2662,7 @@
             <a:fld id="{1D8BD707-D9CF-40AE-B4C6-C98DA3205C09}" type="datetimeFigureOut">
               <a:rPr lang="en-US" smtClean="0"/>
               <a:pPr/>
-              <a:t>6/29/2022</a:t>
+              <a:t>6/30/2022</a:t>
             </a:fld>
             <a:endParaRPr lang="en-US"/>
           </a:p>
@@ -2909,7 +2912,7 @@
             <a:fld id="{1D8BD707-D9CF-40AE-B4C6-C98DA3205C09}" type="datetimeFigureOut">
               <a:rPr lang="en-US" smtClean="0"/>
               <a:pPr/>
-              <a:t>6/29/2022</a:t>
+              <a:t>6/30/2022</a:t>
             </a:fld>
             <a:endParaRPr lang="en-US"/>
           </a:p>
@@ -3119,7 +3122,7 @@
             <a:fld id="{1D8BD707-D9CF-40AE-B4C6-C98DA3205C09}" type="datetimeFigureOut">
               <a:rPr lang="en-US" smtClean="0"/>
               <a:pPr/>
-              <a:t>6/29/2022</a:t>
+              <a:t>6/30/2022</a:t>
             </a:fld>
             <a:endParaRPr lang="en-US"/>
           </a:p>
@@ -3721,37 +3724,8 @@
                   </a:outerShdw>
                 </a:effectLst>
               </a:rPr>
-              <a:t> Siamese Neural </a:t>
-            </a:r>
-            <a:r>
-              <a:rPr lang="en-US" b="1" spc="150" dirty="0" smtClean="0">
-                <a:ln w="11430"/>
-                <a:solidFill>
-                  <a:srgbClr val="F8F8F8"/>
-                </a:solidFill>
-                <a:effectLst>
-                  <a:outerShdw blurRad="25400" algn="tl" rotWithShape="0">
-                    <a:srgbClr val="000000">
-                      <a:alpha val="43000"/>
-                    </a:srgbClr>
-                  </a:outerShdw>
-                </a:effectLst>
-              </a:rPr>
-              <a:t>Network-a</a:t>
-            </a:r>
-            <a:endParaRPr lang="en-US" b="1" spc="150" dirty="0" smtClean="0">
-              <a:ln w="11430"/>
-              <a:solidFill>
-                <a:srgbClr val="F8F8F8"/>
-              </a:solidFill>
-              <a:effectLst>
-                <a:outerShdw blurRad="25400" algn="tl" rotWithShape="0">
-                  <a:srgbClr val="000000">
-                    <a:alpha val="43000"/>
-                  </a:srgbClr>
-                </a:outerShdw>
-              </a:effectLst>
-            </a:endParaRPr>
+              <a:t> Siamese Neural Network-a</a:t>
+            </a:r>
           </a:p>
         </p:txBody>
       </p:sp>
@@ -3854,19 +3828,6 @@
               </a:rPr>
               <a:t> SW 13 / 2019</a:t>
             </a:r>
-            <a:endParaRPr lang="en-US" sz="1400" b="1" spc="150" dirty="0" smtClean="0">
-              <a:ln w="11430"/>
-              <a:solidFill>
-                <a:srgbClr val="F8F8F8"/>
-              </a:solidFill>
-              <a:effectLst>
-                <a:outerShdw blurRad="25400" algn="tl" rotWithShape="0">
-                  <a:srgbClr val="000000">
-                    <a:alpha val="43000"/>
-                  </a:srgbClr>
-                </a:outerShdw>
-              </a:effectLst>
-            </a:endParaRPr>
           </a:p>
         </p:txBody>
       </p:sp>
@@ -4493,7 +4454,6 @@
               <a:rPr lang="en-US" sz="1100" dirty="0" smtClean="0"/>
               <a:t>?</a:t>
             </a:r>
-            <a:endParaRPr lang="en-US" sz="1100" dirty="0" smtClean="0"/>
           </a:p>
           <a:p>
             <a:pPr algn="just"/>
@@ -5216,7 +5176,6 @@
               <a:rPr lang="en-US" sz="1100" dirty="0" smtClean="0"/>
               <a:t>.</a:t>
             </a:r>
-            <a:endParaRPr lang="en-US" sz="1100" dirty="0" smtClean="0"/>
           </a:p>
           <a:p>
             <a:pPr algn="just"/>
@@ -5888,11 +5847,7 @@
             </a:r>
             <a:r>
               <a:rPr lang="en-US" sz="1100" dirty="0" err="1" smtClean="0"/>
-              <a:t>S</a:t>
-            </a:r>
-            <a:r>
-              <a:rPr lang="en-US" sz="1100" dirty="0" err="1" smtClean="0"/>
-              <a:t>pecifičnije</a:t>
+              <a:t>Specifičnije</a:t>
             </a:r>
             <a:r>
               <a:rPr lang="en-US" sz="1100" dirty="0" smtClean="0"/>
@@ -6305,6 +6260,7 @@
               <a:rPr lang="en-US" sz="1100" dirty="0" smtClean="0"/>
               <a:t>.</a:t>
             </a:r>
+            <a:endParaRPr lang="en-US" sz="1100" dirty="0" smtClean="0"/>
           </a:p>
           <a:p>
             <a:pPr algn="just"/>
@@ -6569,11 +6525,7 @@
             </a:r>
             <a:r>
               <a:rPr lang="en-US" sz="1100" dirty="0" smtClean="0"/>
-              <a:t> </a:t>
-            </a:r>
-            <a:r>
-              <a:rPr lang="en-US" sz="1100" dirty="0" smtClean="0"/>
-              <a:t>se on  </a:t>
+              <a:t> se on  </a:t>
             </a:r>
             <a:r>
               <a:rPr lang="en-US" sz="1100" dirty="0" err="1" smtClean="0"/>
@@ -6994,6 +6946,38 @@
           </a:p>
           <a:p>
             <a:pPr algn="just"/>
+            <a:r>
+              <a:rPr lang="en-US" sz="1100" dirty="0" err="1" smtClean="0"/>
+              <a:t>Treniranjem</a:t>
+            </a:r>
+            <a:r>
+              <a:rPr lang="en-US" sz="1100" dirty="0" smtClean="0"/>
+              <a:t> </a:t>
+            </a:r>
+            <a:r>
+              <a:rPr lang="en-US" sz="1100" dirty="0" err="1" smtClean="0"/>
+              <a:t>mreže</a:t>
+            </a:r>
+            <a:r>
+              <a:rPr lang="en-US" sz="1100" dirty="0" smtClean="0"/>
+              <a:t> model je </a:t>
+            </a:r>
+            <a:r>
+              <a:rPr lang="en-US" sz="1100" dirty="0" err="1" smtClean="0"/>
+              <a:t>doveden</a:t>
+            </a:r>
+            <a:r>
+              <a:rPr lang="en-US" sz="1100" dirty="0" smtClean="0"/>
+              <a:t> do 98.33% </a:t>
+            </a:r>
+            <a:r>
+              <a:rPr lang="en-US" sz="1100" dirty="0" err="1" smtClean="0"/>
+              <a:t>preciznosti</a:t>
+            </a:r>
+            <a:r>
+              <a:rPr lang="en-US" sz="1100" dirty="0" smtClean="0"/>
+              <a:t>.</a:t>
+            </a:r>
             <a:endParaRPr lang="en-US" sz="1100" dirty="0" smtClean="0"/>
           </a:p>
           <a:p>
@@ -7033,16 +7017,210 @@
             <a:endParaRPr lang="en-US" sz="1100" dirty="0" smtClean="0"/>
           </a:p>
           <a:p>
-            <a:pPr algn="just"/>
+            <a:pPr algn="just">
+              <a:spcBef>
+                <a:spcPts val="600"/>
+              </a:spcBef>
+            </a:pPr>
+            <a:r>
+              <a:rPr lang="en-US" sz="1100" dirty="0" err="1" smtClean="0"/>
+              <a:t>Za</a:t>
+            </a:r>
+            <a:r>
+              <a:rPr lang="en-US" sz="1100" dirty="0" smtClean="0"/>
+              <a:t> </a:t>
+            </a:r>
+            <a:r>
+              <a:rPr lang="en-US" sz="1100" dirty="0" err="1" smtClean="0"/>
+              <a:t>bolje</a:t>
+            </a:r>
+            <a:r>
+              <a:rPr lang="en-US" sz="1100" dirty="0" smtClean="0"/>
+              <a:t> </a:t>
+            </a:r>
+            <a:r>
+              <a:rPr lang="en-US" sz="1100" dirty="0" err="1" smtClean="0"/>
+              <a:t>rezultate</a:t>
+            </a:r>
+            <a:r>
+              <a:rPr lang="en-US" sz="1100" dirty="0" smtClean="0"/>
+              <a:t> se </a:t>
+            </a:r>
+            <a:r>
+              <a:rPr lang="en-US" sz="1100" dirty="0" err="1" smtClean="0"/>
+              <a:t>može</a:t>
+            </a:r>
+            <a:r>
+              <a:rPr lang="en-US" sz="1100" dirty="0" smtClean="0"/>
+              <a:t> </a:t>
+            </a:r>
+            <a:r>
+              <a:rPr lang="en-US" sz="1100" dirty="0" err="1" smtClean="0"/>
+              <a:t>povećati</a:t>
+            </a:r>
+            <a:r>
+              <a:rPr lang="en-US" sz="1100" dirty="0" smtClean="0"/>
+              <a:t> </a:t>
+            </a:r>
+            <a:r>
+              <a:rPr lang="en-US" sz="1100" dirty="0" err="1" smtClean="0"/>
+              <a:t>broj</a:t>
+            </a:r>
+            <a:r>
+              <a:rPr lang="en-US" sz="1100" dirty="0" smtClean="0"/>
+              <a:t> </a:t>
+            </a:r>
+            <a:r>
+              <a:rPr lang="en-US" sz="1100" dirty="0" err="1" smtClean="0"/>
+              <a:t>epoha</a:t>
+            </a:r>
+            <a:r>
+              <a:rPr lang="en-US" sz="1100" dirty="0" smtClean="0"/>
+              <a:t> </a:t>
+            </a:r>
+            <a:r>
+              <a:rPr lang="en-US" sz="1100" dirty="0" err="1" smtClean="0"/>
+              <a:t>kao</a:t>
+            </a:r>
+            <a:r>
+              <a:rPr lang="en-US" sz="1100" dirty="0" smtClean="0"/>
+              <a:t> </a:t>
+            </a:r>
+            <a:r>
+              <a:rPr lang="en-US" sz="1100" dirty="0" err="1" smtClean="0"/>
+              <a:t>i</a:t>
+            </a:r>
+            <a:r>
+              <a:rPr lang="en-US" sz="1100" dirty="0" smtClean="0"/>
+              <a:t> </a:t>
+            </a:r>
+            <a:r>
+              <a:rPr lang="en-US" sz="1100" dirty="0" err="1" smtClean="0"/>
+              <a:t>veličina</a:t>
+            </a:r>
+            <a:r>
+              <a:rPr lang="en-US" sz="1100" dirty="0" smtClean="0"/>
+              <a:t> </a:t>
+            </a:r>
+            <a:r>
+              <a:rPr lang="en-US" sz="1100" dirty="0" err="1" smtClean="0"/>
+              <a:t>korišćenog</a:t>
+            </a:r>
+            <a:r>
+              <a:rPr lang="en-US" sz="1100" dirty="0" smtClean="0"/>
+              <a:t> seta </a:t>
+            </a:r>
+            <a:r>
+              <a:rPr lang="en-US" sz="1100" dirty="0" err="1" smtClean="0"/>
+              <a:t>podataka</a:t>
+            </a:r>
+            <a:r>
+              <a:rPr lang="en-US" sz="1100" dirty="0" smtClean="0"/>
+              <a:t>.</a:t>
+            </a:r>
             <a:endParaRPr lang="en-US" sz="1100" dirty="0" smtClean="0"/>
           </a:p>
-          <a:p>
-            <a:pPr algn="just"/>
-            <a:endParaRPr lang="en-US" sz="1100" dirty="0" smtClean="0"/>
-          </a:p>
-          <a:p>
-            <a:pPr algn="just"/>
-            <a:endParaRPr lang="en-US" sz="1100" dirty="0" smtClean="0"/>
+        </p:txBody>
+      </p:sp>
+      <p:pic>
+        <p:nvPicPr>
+          <p:cNvPr id="29" name="Picture 28" descr="slicnost.PNG"/>
+          <p:cNvPicPr>
+            <a:picLocks noChangeAspect="1"/>
+          </p:cNvPicPr>
+          <p:nvPr/>
+        </p:nvPicPr>
+        <p:blipFill>
+          <a:blip r:embed="rId7" cstate="print"/>
+          <a:srcRect l="1230" t="2267" r="1229" b="2267"/>
+          <a:stretch>
+            <a:fillRect/>
+          </a:stretch>
+        </p:blipFill>
+        <p:spPr>
+          <a:xfrm>
+            <a:off x="6553200" y="4953000"/>
+            <a:ext cx="2286000" cy="1297460"/>
+          </a:xfrm>
+          <a:prstGeom prst="rect">
+            <a:avLst/>
+          </a:prstGeom>
+          <a:ln>
+            <a:noFill/>
+          </a:ln>
+          <a:effectLst>
+            <a:outerShdw blurRad="190500" algn="tl" rotWithShape="0">
+              <a:srgbClr val="000000">
+                <a:alpha val="70000"/>
+              </a:srgbClr>
+            </a:outerShdw>
+          </a:effectLst>
+        </p:spPr>
+      </p:pic>
+      <p:sp>
+        <p:nvSpPr>
+          <p:cNvPr id="30" name="TextBox 29"/>
+          <p:cNvSpPr txBox="1"/>
+          <p:nvPr/>
+        </p:nvSpPr>
+        <p:spPr>
+          <a:xfrm>
+            <a:off x="6248400" y="6248400"/>
+            <a:ext cx="2895600" cy="200055"/>
+          </a:xfrm>
+          <a:prstGeom prst="rect">
+            <a:avLst/>
+          </a:prstGeom>
+          <a:noFill/>
+        </p:spPr>
+        <p:txBody>
+          <a:bodyPr wrap="square" rtlCol="0">
+            <a:spAutoFit/>
+          </a:bodyPr>
+          <a:lstStyle/>
+          <a:p>
+            <a:pPr algn="ctr"/>
+            <a:r>
+              <a:rPr lang="en-US" sz="700" i="1" dirty="0" err="1" smtClean="0"/>
+              <a:t>Ilustracija</a:t>
+            </a:r>
+            <a:r>
+              <a:rPr lang="en-US" sz="700" i="1" dirty="0" smtClean="0"/>
+              <a:t> 4 Primer </a:t>
+            </a:r>
+            <a:r>
+              <a:rPr lang="en-US" sz="700" i="1" dirty="0" err="1" smtClean="0"/>
+              <a:t>jednog</a:t>
+            </a:r>
+            <a:r>
+              <a:rPr lang="en-US" sz="700" i="1" dirty="0" smtClean="0"/>
+              <a:t> </a:t>
+            </a:r>
+            <a:r>
+              <a:rPr lang="en-US" sz="700" i="1" dirty="0" err="1" smtClean="0"/>
+              <a:t>uspešnog</a:t>
+            </a:r>
+            <a:r>
+              <a:rPr lang="en-US" sz="700" i="1" dirty="0" smtClean="0"/>
+              <a:t> </a:t>
+            </a:r>
+            <a:r>
+              <a:rPr lang="en-US" sz="700" i="1" dirty="0" err="1" smtClean="0"/>
+              <a:t>testnog</a:t>
+            </a:r>
+            <a:r>
+              <a:rPr lang="en-US" sz="700" i="1" dirty="0" smtClean="0"/>
+              <a:t> </a:t>
+            </a:r>
+            <a:r>
+              <a:rPr lang="en-US" sz="700" i="1" dirty="0" err="1" smtClean="0"/>
+              <a:t>slučaja</a:t>
+            </a:r>
+            <a:r>
+              <a:rPr lang="en-US" sz="700" i="1" dirty="0" smtClean="0"/>
+              <a:t> </a:t>
+            </a:r>
+            <a:endParaRPr lang="en-US" sz="700" i="1" dirty="0"/>
           </a:p>
         </p:txBody>
       </p:sp>

--- a/Poster.pptx
+++ b/Poster.pptx
@@ -193,7 +193,7 @@
             <a:fld id="{4631BAC7-F519-4CA9-B23F-C030E5110623}" type="datetimeFigureOut">
               <a:rPr lang="en-US" smtClean="0"/>
               <a:pPr/>
-              <a:t>6/30/2022</a:t>
+              <a:t>7/2/2022</a:t>
             </a:fld>
             <a:endParaRPr lang="en-US"/>
           </a:p>
@@ -723,7 +723,7 @@
             <a:fld id="{1D8BD707-D9CF-40AE-B4C6-C98DA3205C09}" type="datetimeFigureOut">
               <a:rPr lang="en-US" smtClean="0"/>
               <a:pPr/>
-              <a:t>6/30/2022</a:t>
+              <a:t>7/2/2022</a:t>
             </a:fld>
             <a:endParaRPr lang="en-US"/>
           </a:p>
@@ -890,7 +890,7 @@
             <a:fld id="{1D8BD707-D9CF-40AE-B4C6-C98DA3205C09}" type="datetimeFigureOut">
               <a:rPr lang="en-US" smtClean="0"/>
               <a:pPr/>
-              <a:t>6/30/2022</a:t>
+              <a:t>7/2/2022</a:t>
             </a:fld>
             <a:endParaRPr lang="en-US"/>
           </a:p>
@@ -1067,7 +1067,7 @@
             <a:fld id="{1D8BD707-D9CF-40AE-B4C6-C98DA3205C09}" type="datetimeFigureOut">
               <a:rPr lang="en-US" smtClean="0"/>
               <a:pPr/>
-              <a:t>6/30/2022</a:t>
+              <a:t>7/2/2022</a:t>
             </a:fld>
             <a:endParaRPr lang="en-US"/>
           </a:p>
@@ -1234,7 +1234,7 @@
             <a:fld id="{1D8BD707-D9CF-40AE-B4C6-C98DA3205C09}" type="datetimeFigureOut">
               <a:rPr lang="en-US" smtClean="0"/>
               <a:pPr/>
-              <a:t>6/30/2022</a:t>
+              <a:t>7/2/2022</a:t>
             </a:fld>
             <a:endParaRPr lang="en-US"/>
           </a:p>
@@ -1477,7 +1477,7 @@
             <a:fld id="{1D8BD707-D9CF-40AE-B4C6-C98DA3205C09}" type="datetimeFigureOut">
               <a:rPr lang="en-US" smtClean="0"/>
               <a:pPr/>
-              <a:t>6/30/2022</a:t>
+              <a:t>7/2/2022</a:t>
             </a:fld>
             <a:endParaRPr lang="en-US"/>
           </a:p>
@@ -1762,7 +1762,7 @@
             <a:fld id="{1D8BD707-D9CF-40AE-B4C6-C98DA3205C09}" type="datetimeFigureOut">
               <a:rPr lang="en-US" smtClean="0"/>
               <a:pPr/>
-              <a:t>6/30/2022</a:t>
+              <a:t>7/2/2022</a:t>
             </a:fld>
             <a:endParaRPr lang="en-US"/>
           </a:p>
@@ -2181,7 +2181,7 @@
             <a:fld id="{1D8BD707-D9CF-40AE-B4C6-C98DA3205C09}" type="datetimeFigureOut">
               <a:rPr lang="en-US" smtClean="0"/>
               <a:pPr/>
-              <a:t>6/30/2022</a:t>
+              <a:t>7/2/2022</a:t>
             </a:fld>
             <a:endParaRPr lang="en-US"/>
           </a:p>
@@ -2296,7 +2296,7 @@
             <a:fld id="{1D8BD707-D9CF-40AE-B4C6-C98DA3205C09}" type="datetimeFigureOut">
               <a:rPr lang="en-US" smtClean="0"/>
               <a:pPr/>
-              <a:t>6/30/2022</a:t>
+              <a:t>7/2/2022</a:t>
             </a:fld>
             <a:endParaRPr lang="en-US"/>
           </a:p>
@@ -2388,7 +2388,7 @@
             <a:fld id="{1D8BD707-D9CF-40AE-B4C6-C98DA3205C09}" type="datetimeFigureOut">
               <a:rPr lang="en-US" smtClean="0"/>
               <a:pPr/>
-              <a:t>6/30/2022</a:t>
+              <a:t>7/2/2022</a:t>
             </a:fld>
             <a:endParaRPr lang="en-US"/>
           </a:p>
@@ -2662,7 +2662,7 @@
             <a:fld id="{1D8BD707-D9CF-40AE-B4C6-C98DA3205C09}" type="datetimeFigureOut">
               <a:rPr lang="en-US" smtClean="0"/>
               <a:pPr/>
-              <a:t>6/30/2022</a:t>
+              <a:t>7/2/2022</a:t>
             </a:fld>
             <a:endParaRPr lang="en-US"/>
           </a:p>
@@ -2912,7 +2912,7 @@
             <a:fld id="{1D8BD707-D9CF-40AE-B4C6-C98DA3205C09}" type="datetimeFigureOut">
               <a:rPr lang="en-US" smtClean="0"/>
               <a:pPr/>
-              <a:t>6/30/2022</a:t>
+              <a:t>7/2/2022</a:t>
             </a:fld>
             <a:endParaRPr lang="en-US"/>
           </a:p>
@@ -3122,7 +3122,7 @@
             <a:fld id="{1D8BD707-D9CF-40AE-B4C6-C98DA3205C09}" type="datetimeFigureOut">
               <a:rPr lang="en-US" smtClean="0"/>
               <a:pPr/>
-              <a:t>6/30/2022</a:t>
+              <a:t>7/2/2022</a:t>
             </a:fld>
             <a:endParaRPr lang="en-US"/>
           </a:p>
@@ -4743,7 +4743,7 @@
             </a:r>
             <a:r>
               <a:rPr lang="en-US" sz="1100" dirty="0" err="1" smtClean="0"/>
-              <a:t>naseg</a:t>
+              <a:t>našeg</a:t>
             </a:r>
             <a:r>
               <a:rPr lang="en-US" sz="1100" dirty="0" smtClean="0"/>
@@ -4805,7 +4805,7 @@
         <p:spPr>
           <a:xfrm>
             <a:off x="0" y="3352800"/>
-            <a:ext cx="2819400" cy="3505200"/>
+            <a:ext cx="2819400" cy="3477875"/>
           </a:xfrm>
           <a:prstGeom prst="rect">
             <a:avLst/>
@@ -4914,7 +4914,7 @@
             </a:r>
             <a:r>
               <a:rPr lang="en-US" sz="1100" dirty="0" err="1" smtClean="0"/>
-              <a:t>positivne</a:t>
+              <a:t>pozitivne</a:t>
             </a:r>
             <a:r>
               <a:rPr lang="en-US" sz="1100" dirty="0" smtClean="0"/>
@@ -4926,7 +4926,11 @@
             </a:r>
             <a:r>
               <a:rPr lang="en-US" sz="1100" dirty="0" smtClean="0"/>
-              <a:t> anchor </a:t>
+              <a:t> </a:t>
+            </a:r>
+            <a:r>
+              <a:rPr lang="en-US" sz="1100" dirty="0" smtClean="0"/>
+              <a:t>anchor </a:t>
             </a:r>
             <a:r>
               <a:rPr lang="en-US" sz="1100" dirty="0" err="1" smtClean="0"/>
@@ -5487,7 +5491,7 @@
             </a:r>
             <a:r>
               <a:rPr lang="en-US" sz="1100" dirty="0" err="1" smtClean="0"/>
-              <a:t>nasg</a:t>
+              <a:t>našeg</a:t>
             </a:r>
             <a:r>
               <a:rPr lang="en-US" sz="1100" dirty="0" smtClean="0"/>
@@ -6150,7 +6154,7 @@
             </a:r>
             <a:r>
               <a:rPr lang="en-US" sz="1100" dirty="0" err="1" smtClean="0"/>
-              <a:t>Specificnije</a:t>
+              <a:t>Specifičnije</a:t>
             </a:r>
             <a:r>
               <a:rPr lang="en-US" sz="1100" dirty="0" smtClean="0"/>
@@ -6260,7 +6264,6 @@
               <a:rPr lang="en-US" sz="1100" dirty="0" smtClean="0"/>
               <a:t>.</a:t>
             </a:r>
-            <a:endParaRPr lang="en-US" sz="1100" dirty="0" smtClean="0"/>
           </a:p>
           <a:p>
             <a:pPr algn="just"/>
@@ -6978,7 +6981,6 @@
               <a:rPr lang="en-US" sz="1100" dirty="0" smtClean="0"/>
               <a:t>.</a:t>
             </a:r>
-            <a:endParaRPr lang="en-US" sz="1100" dirty="0" smtClean="0"/>
           </a:p>
           <a:p>
             <a:pPr algn="just"/>
@@ -7118,7 +7120,6 @@
               <a:rPr lang="en-US" sz="1100" dirty="0" smtClean="0"/>
               <a:t>.</a:t>
             </a:r>
-            <a:endParaRPr lang="en-US" sz="1100" dirty="0" smtClean="0"/>
           </a:p>
         </p:txBody>
       </p:sp>

--- a/Poster.pptx
+++ b/Poster.pptx
@@ -193,7 +193,7 @@
             <a:fld id="{4631BAC7-F519-4CA9-B23F-C030E5110623}" type="datetimeFigureOut">
               <a:rPr lang="en-US" smtClean="0"/>
               <a:pPr/>
-              <a:t>7/2/2022</a:t>
+              <a:t>7/3/2022</a:t>
             </a:fld>
             <a:endParaRPr lang="en-US"/>
           </a:p>
@@ -723,7 +723,7 @@
             <a:fld id="{1D8BD707-D9CF-40AE-B4C6-C98DA3205C09}" type="datetimeFigureOut">
               <a:rPr lang="en-US" smtClean="0"/>
               <a:pPr/>
-              <a:t>7/2/2022</a:t>
+              <a:t>7/3/2022</a:t>
             </a:fld>
             <a:endParaRPr lang="en-US"/>
           </a:p>
@@ -890,7 +890,7 @@
             <a:fld id="{1D8BD707-D9CF-40AE-B4C6-C98DA3205C09}" type="datetimeFigureOut">
               <a:rPr lang="en-US" smtClean="0"/>
               <a:pPr/>
-              <a:t>7/2/2022</a:t>
+              <a:t>7/3/2022</a:t>
             </a:fld>
             <a:endParaRPr lang="en-US"/>
           </a:p>
@@ -1067,7 +1067,7 @@
             <a:fld id="{1D8BD707-D9CF-40AE-B4C6-C98DA3205C09}" type="datetimeFigureOut">
               <a:rPr lang="en-US" smtClean="0"/>
               <a:pPr/>
-              <a:t>7/2/2022</a:t>
+              <a:t>7/3/2022</a:t>
             </a:fld>
             <a:endParaRPr lang="en-US"/>
           </a:p>
@@ -1234,7 +1234,7 @@
             <a:fld id="{1D8BD707-D9CF-40AE-B4C6-C98DA3205C09}" type="datetimeFigureOut">
               <a:rPr lang="en-US" smtClean="0"/>
               <a:pPr/>
-              <a:t>7/2/2022</a:t>
+              <a:t>7/3/2022</a:t>
             </a:fld>
             <a:endParaRPr lang="en-US"/>
           </a:p>
@@ -1477,7 +1477,7 @@
             <a:fld id="{1D8BD707-D9CF-40AE-B4C6-C98DA3205C09}" type="datetimeFigureOut">
               <a:rPr lang="en-US" smtClean="0"/>
               <a:pPr/>
-              <a:t>7/2/2022</a:t>
+              <a:t>7/3/2022</a:t>
             </a:fld>
             <a:endParaRPr lang="en-US"/>
           </a:p>
@@ -1762,7 +1762,7 @@
             <a:fld id="{1D8BD707-D9CF-40AE-B4C6-C98DA3205C09}" type="datetimeFigureOut">
               <a:rPr lang="en-US" smtClean="0"/>
               <a:pPr/>
-              <a:t>7/2/2022</a:t>
+              <a:t>7/3/2022</a:t>
             </a:fld>
             <a:endParaRPr lang="en-US"/>
           </a:p>
@@ -2181,7 +2181,7 @@
             <a:fld id="{1D8BD707-D9CF-40AE-B4C6-C98DA3205C09}" type="datetimeFigureOut">
               <a:rPr lang="en-US" smtClean="0"/>
               <a:pPr/>
-              <a:t>7/2/2022</a:t>
+              <a:t>7/3/2022</a:t>
             </a:fld>
             <a:endParaRPr lang="en-US"/>
           </a:p>
@@ -2296,7 +2296,7 @@
             <a:fld id="{1D8BD707-D9CF-40AE-B4C6-C98DA3205C09}" type="datetimeFigureOut">
               <a:rPr lang="en-US" smtClean="0"/>
               <a:pPr/>
-              <a:t>7/2/2022</a:t>
+              <a:t>7/3/2022</a:t>
             </a:fld>
             <a:endParaRPr lang="en-US"/>
           </a:p>
@@ -2388,7 +2388,7 @@
             <a:fld id="{1D8BD707-D9CF-40AE-B4C6-C98DA3205C09}" type="datetimeFigureOut">
               <a:rPr lang="en-US" smtClean="0"/>
               <a:pPr/>
-              <a:t>7/2/2022</a:t>
+              <a:t>7/3/2022</a:t>
             </a:fld>
             <a:endParaRPr lang="en-US"/>
           </a:p>
@@ -2662,7 +2662,7 @@
             <a:fld id="{1D8BD707-D9CF-40AE-B4C6-C98DA3205C09}" type="datetimeFigureOut">
               <a:rPr lang="en-US" smtClean="0"/>
               <a:pPr/>
-              <a:t>7/2/2022</a:t>
+              <a:t>7/3/2022</a:t>
             </a:fld>
             <a:endParaRPr lang="en-US"/>
           </a:p>
@@ -2912,7 +2912,7 @@
             <a:fld id="{1D8BD707-D9CF-40AE-B4C6-C98DA3205C09}" type="datetimeFigureOut">
               <a:rPr lang="en-US" smtClean="0"/>
               <a:pPr/>
-              <a:t>7/2/2022</a:t>
+              <a:t>7/3/2022</a:t>
             </a:fld>
             <a:endParaRPr lang="en-US"/>
           </a:p>
@@ -3122,7 +3122,7 @@
             <a:fld id="{1D8BD707-D9CF-40AE-B4C6-C98DA3205C09}" type="datetimeFigureOut">
               <a:rPr lang="en-US" smtClean="0"/>
               <a:pPr/>
-              <a:t>7/2/2022</a:t>
+              <a:t>7/3/2022</a:t>
             </a:fld>
             <a:endParaRPr lang="en-US"/>
           </a:p>
@@ -4792,6 +4792,10 @@
               <a:rPr lang="en-US" sz="1100" dirty="0" err="1" smtClean="0"/>
               <a:t>modela</a:t>
             </a:r>
+            <a:r>
+              <a:rPr lang="en-US" sz="1100" smtClean="0"/>
+              <a:t>.</a:t>
+            </a:r>
             <a:endParaRPr lang="en-US" sz="1100" dirty="0" smtClean="0"/>
           </a:p>
         </p:txBody>
@@ -4926,11 +4930,7 @@
             </a:r>
             <a:r>
               <a:rPr lang="en-US" sz="1100" dirty="0" smtClean="0"/>
-              <a:t> </a:t>
-            </a:r>
-            <a:r>
-              <a:rPr lang="en-US" sz="1100" dirty="0" smtClean="0"/>
-              <a:t>anchor </a:t>
+              <a:t> anchor </a:t>
             </a:r>
             <a:r>
               <a:rPr lang="en-US" sz="1100" dirty="0" err="1" smtClean="0"/>
@@ -5015,6 +5015,10 @@
             <a:r>
               <a:rPr lang="en-US" sz="1100" dirty="0" err="1" smtClean="0"/>
               <a:t>prikupljanje</a:t>
+            </a:r>
+            <a:r>
+              <a:rPr lang="en-US" sz="1100" dirty="0" smtClean="0"/>
+              <a:t>.</a:t>
             </a:r>
             <a:endParaRPr lang="en-US" sz="1100" dirty="0" smtClean="0"/>
           </a:p>
